--- a/gpu/EE817 Lecture 12 CUDA Scan Algorithm .pptx
+++ b/gpu/EE817 Lecture 12 CUDA Scan Algorithm .pptx
@@ -185,6 +185,10 @@
 </p:presentation>
 </file>
 
+<file path=ppt/revisionInfo.xml><?xml version="1.0" encoding="utf-8"?>
+<p1510:revInfo xmlns:a="http://schemas.openxmlformats.org/drawingml/2006/main" xmlns:r="http://schemas.openxmlformats.org/officeDocument/2006/relationships" xmlns:p1510="http://schemas.microsoft.com/office/powerpoint/2015/10/main"/>
+</file>
+
 <file path=ppt/handoutMasters/handoutMaster1.xml><?xml version="1.0" encoding="utf-8"?>
 <p:handoutMaster xmlns:a="http://schemas.openxmlformats.org/drawingml/2006/main" xmlns:r="http://schemas.openxmlformats.org/officeDocument/2006/relationships" xmlns:p="http://schemas.openxmlformats.org/presentationml/2006/main">
   <p:cSld>
@@ -267,7 +271,7 @@
           <a:p>
             <a:fld id="{0958D145-3F61-4970-8B92-DDA610F3EB4F}" type="datetimeFigureOut">
               <a:rPr lang="ko-KR" altLang="en-US" smtClean="0"/>
-              <a:t>2017-05-04</a:t>
+              <a:t>2017-05-11</a:t>
             </a:fld>
             <a:endParaRPr lang="ko-KR" altLang="en-US"/>
           </a:p>
@@ -462,7 +466,7 @@
               <a:pPr>
                 <a:defRPr/>
               </a:pPr>
-              <a:t>2017-05-04</a:t>
+              <a:t>2017-05-11</a:t>
             </a:fld>
             <a:endParaRPr lang="ko-KR" altLang="en-US"/>
           </a:p>
@@ -1234,7 +1238,7 @@
               <a:pPr>
                 <a:defRPr/>
               </a:pPr>
-              <a:t>5/4/2017</a:t>
+              <a:t>5/11/2017</a:t>
             </a:fld>
             <a:endParaRPr lang="en-US" altLang="ko-KR"/>
           </a:p>
@@ -1436,7 +1440,7 @@
               <a:pPr>
                 <a:defRPr/>
               </a:pPr>
-              <a:t>5/4/2017</a:t>
+              <a:t>5/11/2017</a:t>
             </a:fld>
             <a:endParaRPr lang="en-US" altLang="ko-KR"/>
           </a:p>
@@ -1869,7 +1873,7 @@
               <a:pPr>
                 <a:defRPr/>
               </a:pPr>
-              <a:t>5/4/2017</a:t>
+              <a:t>5/11/2017</a:t>
             </a:fld>
             <a:endParaRPr lang="en-US" altLang="ko-KR"/>
           </a:p>
@@ -2066,7 +2070,7 @@
               <a:pPr>
                 <a:defRPr/>
               </a:pPr>
-              <a:t>5/4/2017</a:t>
+              <a:t>5/11/2017</a:t>
             </a:fld>
             <a:endParaRPr lang="en-US" altLang="ko-KR"/>
           </a:p>
@@ -2581,7 +2585,7 @@
               <a:pPr>
                 <a:defRPr/>
               </a:pPr>
-              <a:t>5/4/2017</a:t>
+              <a:t>5/11/2017</a:t>
             </a:fld>
             <a:endParaRPr lang="en-US" altLang="ko-KR"/>
           </a:p>
@@ -2896,7 +2900,7 @@
               <a:pPr>
                 <a:defRPr/>
               </a:pPr>
-              <a:t>5/4/2017</a:t>
+              <a:t>5/11/2017</a:t>
             </a:fld>
             <a:endParaRPr lang="en-US" altLang="ko-KR"/>
           </a:p>
@@ -3399,7 +3403,7 @@
               <a:pPr>
                 <a:defRPr/>
               </a:pPr>
-              <a:t>5/4/2017</a:t>
+              <a:t>5/11/2017</a:t>
             </a:fld>
             <a:endParaRPr lang="en-US" altLang="ko-KR"/>
           </a:p>
@@ -3787,7 +3791,7 @@
               <a:pPr>
                 <a:defRPr/>
               </a:pPr>
-              <a:t>5/4/2017</a:t>
+              <a:t>5/11/2017</a:t>
             </a:fld>
             <a:endParaRPr lang="en-US" altLang="ko-KR"/>
           </a:p>
@@ -4245,7 +4249,7 @@
               <a:pPr>
                 <a:defRPr/>
               </a:pPr>
-              <a:t>5/4/2017</a:t>
+              <a:t>5/11/2017</a:t>
             </a:fld>
             <a:endParaRPr lang="en-US" altLang="ko-KR"/>
           </a:p>
@@ -4543,7 +4547,7 @@
               <a:pPr>
                 <a:defRPr/>
               </a:pPr>
-              <a:t>5/4/2017</a:t>
+              <a:t>5/11/2017</a:t>
             </a:fld>
             <a:endParaRPr lang="en-US" altLang="ko-KR"/>
           </a:p>
@@ -4873,7 +4877,7 @@
               <a:pPr>
                 <a:defRPr/>
               </a:pPr>
-              <a:t>5/4/2017</a:t>
+              <a:t>5/11/2017</a:t>
             </a:fld>
             <a:endParaRPr lang="en-US" altLang="ko-KR"/>
           </a:p>
@@ -5391,7 +5395,7 @@
               <a:pPr>
                 <a:defRPr/>
               </a:pPr>
-              <a:t>5/4/2017</a:t>
+              <a:t>5/11/2017</a:t>
             </a:fld>
             <a:endParaRPr lang="en-US" altLang="ko-KR"/>
           </a:p>
@@ -7735,25 +7739,6 @@
           <a:chExt cx="0" cy="0"/>
         </a:xfrm>
       </p:grpSpPr>
-      <p:sp>
-        <p:nvSpPr>
-          <p:cNvPr id="2" name="제목 1"/>
-          <p:cNvSpPr>
-            <a:spLocks noGrp="1"/>
-          </p:cNvSpPr>
-          <p:nvPr>
-            <p:ph type="title"/>
-          </p:nvPr>
-        </p:nvSpPr>
-        <p:spPr/>
-        <p:txBody>
-          <a:bodyPr/>
-          <a:lstStyle/>
-          <a:p>
-            <a:endParaRPr lang="ko-KR" altLang="en-US"/>
-          </a:p>
-        </p:txBody>
-      </p:sp>
       <p:pic>
         <p:nvPicPr>
           <p:cNvPr id="6146" name="Picture 2"/>
@@ -7888,7 +7873,7 @@
         </p:blipFill>
         <p:spPr bwMode="auto">
           <a:xfrm>
-            <a:off x="804922" y="1600200"/>
+            <a:off x="804922" y="1628800"/>
             <a:ext cx="7534155" cy="4525963"/>
           </a:xfrm>
           <a:prstGeom prst="rect">
@@ -7919,6 +7904,66 @@
           </a:extLst>
         </p:spPr>
       </p:pic>
+      <p:sp>
+        <p:nvSpPr>
+          <p:cNvPr id="3" name="TextBox 2"/>
+          <p:cNvSpPr txBox="1"/>
+          <p:nvPr/>
+        </p:nvSpPr>
+        <p:spPr>
+          <a:xfrm>
+            <a:off x="6228184" y="3455289"/>
+            <a:ext cx="3096344" cy="369332"/>
+          </a:xfrm>
+          <a:prstGeom prst="rect">
+            <a:avLst/>
+          </a:prstGeom>
+          <a:noFill/>
+        </p:spPr>
+        <p:txBody>
+          <a:bodyPr wrap="square" rtlCol="0">
+            <a:spAutoFit/>
+          </a:bodyPr>
+          <a:lstStyle/>
+          <a:p>
+            <a:r>
+              <a:rPr lang="en-US" altLang="ko-KR" dirty="0"/>
+              <a:t>divide and conquer</a:t>
+            </a:r>
+            <a:endParaRPr lang="ko-KR" altLang="en-US" dirty="0"/>
+          </a:p>
+        </p:txBody>
+      </p:sp>
+      <p:sp>
+        <p:nvSpPr>
+          <p:cNvPr id="4" name="TextBox 3"/>
+          <p:cNvSpPr txBox="1"/>
+          <p:nvPr/>
+        </p:nvSpPr>
+        <p:spPr>
+          <a:xfrm>
+            <a:off x="2987824" y="3356992"/>
+            <a:ext cx="888385" cy="261610"/>
+          </a:xfrm>
+          <a:prstGeom prst="rect">
+            <a:avLst/>
+          </a:prstGeom>
+          <a:noFill/>
+        </p:spPr>
+        <p:txBody>
+          <a:bodyPr wrap="none" rtlCol="0">
+            <a:spAutoFit/>
+          </a:bodyPr>
+          <a:lstStyle/>
+          <a:p>
+            <a:r>
+              <a:rPr lang="en-US" altLang="ko-KR" sz="1100" dirty="0"/>
+              <a:t>(final sum)</a:t>
+            </a:r>
+            <a:endParaRPr lang="ko-KR" altLang="en-US" sz="1100" dirty="0"/>
+          </a:p>
+        </p:txBody>
+      </p:sp>
     </p:spTree>
     <p:extLst>
       <p:ext uri="{BB962C8B-B14F-4D97-AF65-F5344CB8AC3E}">
@@ -10179,7 +10224,7 @@
             <p:ph idx="1"/>
           </p:nvPr>
         </p:nvPicPr>
-        <p:blipFill>
+        <p:blipFill rotWithShape="1">
           <a:blip r:embed="rId2">
             <a:extLst>
               <a:ext uri="{28A0092B-C50C-407E-A947-70E740481C1C}">
@@ -10187,15 +10232,13 @@
               </a:ext>
             </a:extLst>
           </a:blip>
-          <a:srcRect/>
-          <a:stretch>
-            <a:fillRect/>
-          </a:stretch>
+          <a:srcRect l="1612" r="37982"/>
+          <a:stretch/>
         </p:blipFill>
         <p:spPr bwMode="auto">
           <a:xfrm>
-            <a:off x="1475655" y="2492896"/>
-            <a:ext cx="8940513" cy="2304256"/>
+            <a:off x="1619672" y="2492896"/>
+            <a:ext cx="5400600" cy="2304256"/>
           </a:xfrm>
           <a:prstGeom prst="rect">
             <a:avLst/>
@@ -10288,7 +10331,7 @@
             <p:ph idx="1"/>
           </p:nvPr>
         </p:nvPicPr>
-        <p:blipFill>
+        <p:blipFill rotWithShape="1">
           <a:blip r:embed="rId2">
             <a:extLst>
               <a:ext uri="{28A0092B-C50C-407E-A947-70E740481C1C}">
@@ -10296,15 +10339,13 @@
               </a:ext>
             </a:extLst>
           </a:blip>
-          <a:srcRect/>
-          <a:stretch>
-            <a:fillRect/>
-          </a:stretch>
+          <a:srcRect r="26771"/>
+          <a:stretch/>
         </p:blipFill>
         <p:spPr bwMode="auto">
           <a:xfrm>
             <a:off x="827584" y="2564904"/>
-            <a:ext cx="8948274" cy="3240360"/>
+            <a:ext cx="6552728" cy="3240360"/>
           </a:xfrm>
           <a:prstGeom prst="rect">
             <a:avLst/>

--- a/gpu/EE817 Lecture 12 CUDA Scan Algorithm .pptx
+++ b/gpu/EE817 Lecture 12 CUDA Scan Algorithm .pptx
@@ -271,7 +271,7 @@
           <a:p>
             <a:fld id="{0958D145-3F61-4970-8B92-DDA610F3EB4F}" type="datetimeFigureOut">
               <a:rPr lang="ko-KR" altLang="en-US" smtClean="0"/>
-              <a:t>2017-05-11</a:t>
+              <a:t>2017-06-14</a:t>
             </a:fld>
             <a:endParaRPr lang="ko-KR" altLang="en-US"/>
           </a:p>
@@ -466,7 +466,7 @@
               <a:pPr>
                 <a:defRPr/>
               </a:pPr>
-              <a:t>2017-05-11</a:t>
+              <a:t>2017-06-14</a:t>
             </a:fld>
             <a:endParaRPr lang="ko-KR" altLang="en-US"/>
           </a:p>
@@ -1238,7 +1238,7 @@
               <a:pPr>
                 <a:defRPr/>
               </a:pPr>
-              <a:t>5/11/2017</a:t>
+              <a:t>6/14/2017</a:t>
             </a:fld>
             <a:endParaRPr lang="en-US" altLang="ko-KR"/>
           </a:p>
@@ -1440,7 +1440,7 @@
               <a:pPr>
                 <a:defRPr/>
               </a:pPr>
-              <a:t>5/11/2017</a:t>
+              <a:t>6/14/2017</a:t>
             </a:fld>
             <a:endParaRPr lang="en-US" altLang="ko-KR"/>
           </a:p>
@@ -1873,7 +1873,7 @@
               <a:pPr>
                 <a:defRPr/>
               </a:pPr>
-              <a:t>5/11/2017</a:t>
+              <a:t>6/14/2017</a:t>
             </a:fld>
             <a:endParaRPr lang="en-US" altLang="ko-KR"/>
           </a:p>
@@ -2070,7 +2070,7 @@
               <a:pPr>
                 <a:defRPr/>
               </a:pPr>
-              <a:t>5/11/2017</a:t>
+              <a:t>6/14/2017</a:t>
             </a:fld>
             <a:endParaRPr lang="en-US" altLang="ko-KR"/>
           </a:p>
@@ -2585,7 +2585,7 @@
               <a:pPr>
                 <a:defRPr/>
               </a:pPr>
-              <a:t>5/11/2017</a:t>
+              <a:t>6/14/2017</a:t>
             </a:fld>
             <a:endParaRPr lang="en-US" altLang="ko-KR"/>
           </a:p>
@@ -2900,7 +2900,7 @@
               <a:pPr>
                 <a:defRPr/>
               </a:pPr>
-              <a:t>5/11/2017</a:t>
+              <a:t>6/14/2017</a:t>
             </a:fld>
             <a:endParaRPr lang="en-US" altLang="ko-KR"/>
           </a:p>
@@ -3403,7 +3403,7 @@
               <a:pPr>
                 <a:defRPr/>
               </a:pPr>
-              <a:t>5/11/2017</a:t>
+              <a:t>6/14/2017</a:t>
             </a:fld>
             <a:endParaRPr lang="en-US" altLang="ko-KR"/>
           </a:p>
@@ -3791,7 +3791,7 @@
               <a:pPr>
                 <a:defRPr/>
               </a:pPr>
-              <a:t>5/11/2017</a:t>
+              <a:t>6/14/2017</a:t>
             </a:fld>
             <a:endParaRPr lang="en-US" altLang="ko-KR"/>
           </a:p>
@@ -4249,7 +4249,7 @@
               <a:pPr>
                 <a:defRPr/>
               </a:pPr>
-              <a:t>5/11/2017</a:t>
+              <a:t>6/14/2017</a:t>
             </a:fld>
             <a:endParaRPr lang="en-US" altLang="ko-KR"/>
           </a:p>
@@ -4547,7 +4547,7 @@
               <a:pPr>
                 <a:defRPr/>
               </a:pPr>
-              <a:t>5/11/2017</a:t>
+              <a:t>6/14/2017</a:t>
             </a:fld>
             <a:endParaRPr lang="en-US" altLang="ko-KR"/>
           </a:p>
@@ -4877,7 +4877,7 @@
               <a:pPr>
                 <a:defRPr/>
               </a:pPr>
-              <a:t>5/11/2017</a:t>
+              <a:t>6/14/2017</a:t>
             </a:fld>
             <a:endParaRPr lang="en-US" altLang="ko-KR"/>
           </a:p>
@@ -5395,7 +5395,7 @@
               <a:pPr>
                 <a:defRPr/>
               </a:pPr>
-              <a:t>5/11/2017</a:t>
+              <a:t>6/14/2017</a:t>
             </a:fld>
             <a:endParaRPr lang="en-US" altLang="ko-KR"/>
           </a:p>
@@ -6774,36 +6774,6 @@
           </a:extLst>
         </p:spPr>
       </p:pic>
-      <p:sp>
-        <p:nvSpPr>
-          <p:cNvPr id="3" name="TextBox 2"/>
-          <p:cNvSpPr txBox="1"/>
-          <p:nvPr/>
-        </p:nvSpPr>
-        <p:spPr>
-          <a:xfrm>
-            <a:off x="457200" y="5975569"/>
-            <a:ext cx="4114800" cy="369332"/>
-          </a:xfrm>
-          <a:prstGeom prst="rect">
-            <a:avLst/>
-          </a:prstGeom>
-          <a:noFill/>
-        </p:spPr>
-        <p:txBody>
-          <a:bodyPr wrap="square" rtlCol="0">
-            <a:spAutoFit/>
-          </a:bodyPr>
-          <a:lstStyle/>
-          <a:p>
-            <a:r>
-              <a:rPr lang="en-US" altLang="ko-KR" dirty="0"/>
-              <a:t>inclusive scan</a:t>
-            </a:r>
-            <a:endParaRPr lang="ko-KR" altLang="en-US" dirty="0"/>
-          </a:p>
-        </p:txBody>
-      </p:sp>
     </p:spTree>
     <p:extLst>
       <p:ext uri="{BB962C8B-B14F-4D97-AF65-F5344CB8AC3E}">
@@ -7094,36 +7064,6 @@
           </a:extLst>
         </p:spPr>
       </p:pic>
-      <p:sp>
-        <p:nvSpPr>
-          <p:cNvPr id="3" name="TextBox 2"/>
-          <p:cNvSpPr txBox="1"/>
-          <p:nvPr/>
-        </p:nvSpPr>
-        <p:spPr>
-          <a:xfrm>
-            <a:off x="683568" y="6263601"/>
-            <a:ext cx="4536504" cy="369332"/>
-          </a:xfrm>
-          <a:prstGeom prst="rect">
-            <a:avLst/>
-          </a:prstGeom>
-          <a:noFill/>
-        </p:spPr>
-        <p:txBody>
-          <a:bodyPr wrap="square" rtlCol="0">
-            <a:spAutoFit/>
-          </a:bodyPr>
-          <a:lstStyle/>
-          <a:p>
-            <a:r>
-              <a:rPr lang="en-US" altLang="ko-KR" dirty="0"/>
-              <a:t>exclusive scan</a:t>
-            </a:r>
-            <a:endParaRPr lang="ko-KR" altLang="en-US" dirty="0"/>
-          </a:p>
-        </p:txBody>
-      </p:sp>
     </p:spTree>
     <p:extLst>
       <p:ext uri="{BB962C8B-B14F-4D97-AF65-F5344CB8AC3E}">
